--- a/Film/film_intro.pptx
+++ b/Film/film_intro.pptx
@@ -7,6 +7,8 @@
   <p:sldIdLst>
     <p:sldId id="256" r:id="rId2"/>
     <p:sldId id="257" r:id="rId3"/>
+    <p:sldId id="258" r:id="rId4"/>
+    <p:sldId id="259" r:id="rId5"/>
   </p:sldIdLst>
   <p:sldSz cx="9144000" cy="6858000" type="screen4x3"/>
   <p:notesSz cx="6858000" cy="9144000"/>
@@ -347,6 +349,18 @@
   <p:clrMapOvr>
     <a:masterClrMapping/>
   </p:clrMapOvr>
+  <mc:AlternateContent xmlns:mc="http://schemas.openxmlformats.org/markup-compatibility/2006" xmlns:p14="http://schemas.microsoft.com/office/powerpoint/2010/main">
+    <mc:Choice Requires="p14">
+      <p:transition spd="slow" p14:dur="1400">
+        <p14:ripple/>
+      </p:transition>
+    </mc:Choice>
+    <mc:Fallback xmlns="">
+      <p:transition spd="slow">
+        <p:fade/>
+      </p:transition>
+    </mc:Fallback>
+  </mc:AlternateContent>
 </p:sldLayout>
 </file>
 
@@ -517,6 +531,18 @@
   <p:clrMapOvr>
     <a:masterClrMapping/>
   </p:clrMapOvr>
+  <mc:AlternateContent xmlns:mc="http://schemas.openxmlformats.org/markup-compatibility/2006" xmlns:p14="http://schemas.microsoft.com/office/powerpoint/2010/main">
+    <mc:Choice Requires="p14">
+      <p:transition spd="slow" p14:dur="1400">
+        <p14:ripple/>
+      </p:transition>
+    </mc:Choice>
+    <mc:Fallback xmlns="">
+      <p:transition spd="slow">
+        <p:fade/>
+      </p:transition>
+    </mc:Fallback>
+  </mc:AlternateContent>
 </p:sldLayout>
 </file>
 
@@ -697,6 +723,18 @@
   <p:clrMapOvr>
     <a:masterClrMapping/>
   </p:clrMapOvr>
+  <mc:AlternateContent xmlns:mc="http://schemas.openxmlformats.org/markup-compatibility/2006" xmlns:p14="http://schemas.microsoft.com/office/powerpoint/2010/main">
+    <mc:Choice Requires="p14">
+      <p:transition spd="slow" p14:dur="1400">
+        <p14:ripple/>
+      </p:transition>
+    </mc:Choice>
+    <mc:Fallback xmlns="">
+      <p:transition spd="slow">
+        <p:fade/>
+      </p:transition>
+    </mc:Fallback>
+  </mc:AlternateContent>
 </p:sldLayout>
 </file>
 
@@ -867,6 +905,18 @@
   <p:clrMapOvr>
     <a:masterClrMapping/>
   </p:clrMapOvr>
+  <mc:AlternateContent xmlns:mc="http://schemas.openxmlformats.org/markup-compatibility/2006" xmlns:p14="http://schemas.microsoft.com/office/powerpoint/2010/main">
+    <mc:Choice Requires="p14">
+      <p:transition spd="slow" p14:dur="1400">
+        <p14:ripple/>
+      </p:transition>
+    </mc:Choice>
+    <mc:Fallback xmlns="">
+      <p:transition spd="slow">
+        <p:fade/>
+      </p:transition>
+    </mc:Fallback>
+  </mc:AlternateContent>
 </p:sldLayout>
 </file>
 
@@ -1113,6 +1163,18 @@
   <p:clrMapOvr>
     <a:masterClrMapping/>
   </p:clrMapOvr>
+  <mc:AlternateContent xmlns:mc="http://schemas.openxmlformats.org/markup-compatibility/2006" xmlns:p14="http://schemas.microsoft.com/office/powerpoint/2010/main">
+    <mc:Choice Requires="p14">
+      <p:transition spd="slow" p14:dur="1400">
+        <p14:ripple/>
+      </p:transition>
+    </mc:Choice>
+    <mc:Fallback xmlns="">
+      <p:transition spd="slow">
+        <p:fade/>
+      </p:transition>
+    </mc:Fallback>
+  </mc:AlternateContent>
 </p:sldLayout>
 </file>
 
@@ -1401,6 +1463,18 @@
   <p:clrMapOvr>
     <a:masterClrMapping/>
   </p:clrMapOvr>
+  <mc:AlternateContent xmlns:mc="http://schemas.openxmlformats.org/markup-compatibility/2006" xmlns:p14="http://schemas.microsoft.com/office/powerpoint/2010/main">
+    <mc:Choice Requires="p14">
+      <p:transition spd="slow" p14:dur="1400">
+        <p14:ripple/>
+      </p:transition>
+    </mc:Choice>
+    <mc:Fallback xmlns="">
+      <p:transition spd="slow">
+        <p:fade/>
+      </p:transition>
+    </mc:Fallback>
+  </mc:AlternateContent>
 </p:sldLayout>
 </file>
 
@@ -1823,6 +1897,18 @@
   <p:clrMapOvr>
     <a:masterClrMapping/>
   </p:clrMapOvr>
+  <mc:AlternateContent xmlns:mc="http://schemas.openxmlformats.org/markup-compatibility/2006" xmlns:p14="http://schemas.microsoft.com/office/powerpoint/2010/main">
+    <mc:Choice Requires="p14">
+      <p:transition spd="slow" p14:dur="1400">
+        <p14:ripple/>
+      </p:transition>
+    </mc:Choice>
+    <mc:Fallback xmlns="">
+      <p:transition spd="slow">
+        <p:fade/>
+      </p:transition>
+    </mc:Fallback>
+  </mc:AlternateContent>
 </p:sldLayout>
 </file>
 
@@ -1941,6 +2027,18 @@
   <p:clrMapOvr>
     <a:masterClrMapping/>
   </p:clrMapOvr>
+  <mc:AlternateContent xmlns:mc="http://schemas.openxmlformats.org/markup-compatibility/2006" xmlns:p14="http://schemas.microsoft.com/office/powerpoint/2010/main">
+    <mc:Choice Requires="p14">
+      <p:transition spd="slow" p14:dur="1400">
+        <p14:ripple/>
+      </p:transition>
+    </mc:Choice>
+    <mc:Fallback xmlns="">
+      <p:transition spd="slow">
+        <p:fade/>
+      </p:transition>
+    </mc:Fallback>
+  </mc:AlternateContent>
 </p:sldLayout>
 </file>
 
@@ -2036,6 +2134,18 @@
   <p:clrMapOvr>
     <a:masterClrMapping/>
   </p:clrMapOvr>
+  <mc:AlternateContent xmlns:mc="http://schemas.openxmlformats.org/markup-compatibility/2006" xmlns:p14="http://schemas.microsoft.com/office/powerpoint/2010/main">
+    <mc:Choice Requires="p14">
+      <p:transition spd="slow" p14:dur="1400">
+        <p14:ripple/>
+      </p:transition>
+    </mc:Choice>
+    <mc:Fallback xmlns="">
+      <p:transition spd="slow">
+        <p:fade/>
+      </p:transition>
+    </mc:Fallback>
+  </mc:AlternateContent>
 </p:sldLayout>
 </file>
 
@@ -2313,6 +2423,18 @@
   <p:clrMapOvr>
     <a:masterClrMapping/>
   </p:clrMapOvr>
+  <mc:AlternateContent xmlns:mc="http://schemas.openxmlformats.org/markup-compatibility/2006" xmlns:p14="http://schemas.microsoft.com/office/powerpoint/2010/main">
+    <mc:Choice Requires="p14">
+      <p:transition spd="slow" p14:dur="1400">
+        <p14:ripple/>
+      </p:transition>
+    </mc:Choice>
+    <mc:Fallback xmlns="">
+      <p:transition spd="slow">
+        <p:fade/>
+      </p:transition>
+    </mc:Fallback>
+  </mc:AlternateContent>
 </p:sldLayout>
 </file>
 
@@ -2566,6 +2688,18 @@
   <p:clrMapOvr>
     <a:masterClrMapping/>
   </p:clrMapOvr>
+  <mc:AlternateContent xmlns:mc="http://schemas.openxmlformats.org/markup-compatibility/2006" xmlns:p14="http://schemas.microsoft.com/office/powerpoint/2010/main">
+    <mc:Choice Requires="p14">
+      <p:transition spd="slow" p14:dur="1400">
+        <p14:ripple/>
+      </p:transition>
+    </mc:Choice>
+    <mc:Fallback xmlns="">
+      <p:transition spd="slow">
+        <p:fade/>
+      </p:transition>
+    </mc:Fallback>
+  </mc:AlternateContent>
 </p:sldLayout>
 </file>
 
@@ -2826,6 +2960,18 @@
     <p:sldLayoutId id="2147483658" r:id="rId10"/>
     <p:sldLayoutId id="2147483659" r:id="rId11"/>
   </p:sldLayoutIdLst>
+  <mc:AlternateContent xmlns:mc="http://schemas.openxmlformats.org/markup-compatibility/2006" xmlns:p14="http://schemas.microsoft.com/office/powerpoint/2010/main">
+    <mc:Choice Requires="p14">
+      <p:transition spd="slow" p14:dur="1400">
+        <p14:ripple/>
+      </p:transition>
+    </mc:Choice>
+    <mc:Fallback xmlns="">
+      <p:transition spd="slow">
+        <p:fade/>
+      </p:transition>
+    </mc:Fallback>
+  </mc:AlternateContent>
   <p:txStyles>
     <p:titleStyle>
       <a:lvl1pPr algn="ctr" defTabSz="914400" rtl="0" eaLnBrk="1" latinLnBrk="0" hangingPunct="1">
@@ -3225,15 +3371,15 @@
   <p:clrMapOvr>
     <a:masterClrMapping/>
   </p:clrMapOvr>
-  <mc:AlternateContent xmlns:mc="http://schemas.openxmlformats.org/markup-compatibility/2006">
-    <mc:Choice xmlns:p14="http://schemas.microsoft.com/office/powerpoint/2010/main" Requires="p14">
-      <p:transition spd="slow" p14:dur="800">
-        <p:circle/>
+  <mc:AlternateContent xmlns:mc="http://schemas.openxmlformats.org/markup-compatibility/2006" xmlns:p14="http://schemas.microsoft.com/office/powerpoint/2010/main">
+    <mc:Choice Requires="p14">
+      <p:transition spd="slow" p14:dur="3400">
+        <p14:reveal/>
       </p:transition>
     </mc:Choice>
-    <mc:Fallback>
+    <mc:Fallback xmlns="">
       <p:transition spd="slow">
-        <p:circle/>
+        <p:fade/>
       </p:transition>
     </mc:Fallback>
   </mc:AlternateContent>
@@ -3423,6 +3569,9 @@
   <p:clrMapOvr>
     <a:masterClrMapping/>
   </p:clrMapOvr>
+  <p:transition spd="slow">
+    <p:randomBar dir="vert"/>
+  </p:transition>
   <p:timing>
     <p:tnLst>
       <p:par>
@@ -3430,6 +3579,218 @@
       </p:par>
     </p:tnLst>
   </p:timing>
+</p:sld>
+</file>
+
+<file path=ppt/slides/slide3.xml><?xml version="1.0" encoding="utf-8"?>
+<p:sld xmlns:a="http://schemas.openxmlformats.org/drawingml/2006/main" xmlns:r="http://schemas.openxmlformats.org/officeDocument/2006/relationships" xmlns:p="http://schemas.openxmlformats.org/presentationml/2006/main">
+  <p:cSld>
+    <p:bg>
+      <p:bgPr>
+        <a:solidFill>
+          <a:schemeClr val="tx1"/>
+        </a:solidFill>
+        <a:effectLst/>
+      </p:bgPr>
+    </p:bg>
+    <p:spTree>
+      <p:nvGrpSpPr>
+        <p:cNvPr id="1" name=""/>
+        <p:cNvGrpSpPr/>
+        <p:nvPr/>
+      </p:nvGrpSpPr>
+      <p:grpSpPr>
+        <a:xfrm>
+          <a:off x="0" y="0"/>
+          <a:ext cx="0" cy="0"/>
+          <a:chOff x="0" y="0"/>
+          <a:chExt cx="0" cy="0"/>
+        </a:xfrm>
+      </p:grpSpPr>
+      <p:pic>
+        <p:nvPicPr>
+          <p:cNvPr id="4" name="Tijdelijke aanduiding voor inhoud 3"/>
+          <p:cNvPicPr>
+            <a:picLocks noGrp="1" noChangeAspect="1"/>
+          </p:cNvPicPr>
+          <p:nvPr>
+            <p:ph idx="1"/>
+          </p:nvPr>
+        </p:nvPicPr>
+        <p:blipFill>
+          <a:blip r:embed="rId2" cstate="print">
+            <a:extLst>
+              <a:ext uri="{28A0092B-C50C-407E-A947-70E740481C1C}">
+                <a14:useLocalDpi xmlns:a14="http://schemas.microsoft.com/office/drawing/2010/main" val="0"/>
+              </a:ext>
+            </a:extLst>
+          </a:blip>
+          <a:stretch>
+            <a:fillRect/>
+          </a:stretch>
+        </p:blipFill>
+        <p:spPr>
+          <a:xfrm>
+            <a:off x="59457" y="806643"/>
+            <a:ext cx="9084543" cy="6051357"/>
+          </a:xfrm>
+        </p:spPr>
+      </p:pic>
+      <p:sp>
+        <p:nvSpPr>
+          <p:cNvPr id="7" name="Tekstvak 6"/>
+          <p:cNvSpPr txBox="1"/>
+          <p:nvPr/>
+        </p:nvSpPr>
+        <p:spPr>
+          <a:xfrm>
+            <a:off x="1403649" y="260648"/>
+            <a:ext cx="7740352" cy="646331"/>
+          </a:xfrm>
+          <a:prstGeom prst="rect">
+            <a:avLst/>
+          </a:prstGeom>
+          <a:noFill/>
+        </p:spPr>
+        <p:txBody>
+          <a:bodyPr wrap="square" rtlCol="0">
+            <a:spAutoFit/>
+          </a:bodyPr>
+          <a:lstStyle/>
+          <a:p>
+            <a:r>
+              <a:rPr lang="nl-NL" smtClean="0">
+                <a:solidFill>
+                  <a:schemeClr val="bg1"/>
+                </a:solidFill>
+              </a:rPr>
+              <a:t>In 1978 ontwikkelde Thomas Schelling  </a:t>
+            </a:r>
+            <a:r>
+              <a:rPr lang="nl-NL" smtClean="0">
+                <a:solidFill>
+                  <a:schemeClr val="bg1"/>
+                </a:solidFill>
+              </a:rPr>
+              <a:t>zijn ‘Schelling </a:t>
+            </a:r>
+            <a:r>
+              <a:rPr lang="nl-NL" smtClean="0">
+                <a:solidFill>
+                  <a:schemeClr val="bg1"/>
+                </a:solidFill>
+              </a:rPr>
+              <a:t>Tipping </a:t>
+            </a:r>
+            <a:r>
+              <a:rPr lang="nl-NL" smtClean="0">
+                <a:solidFill>
+                  <a:schemeClr val="bg1"/>
+                </a:solidFill>
+              </a:rPr>
+              <a:t>Model’, </a:t>
+            </a:r>
+            <a:r>
+              <a:rPr lang="nl-NL" smtClean="0">
+                <a:solidFill>
+                  <a:schemeClr val="bg1"/>
+                </a:solidFill>
+              </a:rPr>
+              <a:t>dat veel gebruikt wordt om segregatie te bestuderen.</a:t>
+            </a:r>
+          </a:p>
+        </p:txBody>
+      </p:sp>
+    </p:spTree>
+    <p:extLst>
+      <p:ext uri="{BB962C8B-B14F-4D97-AF65-F5344CB8AC3E}">
+        <p14:creationId xmlns:p14="http://schemas.microsoft.com/office/powerpoint/2010/main" val="3057991292"/>
+      </p:ext>
+    </p:extLst>
+  </p:cSld>
+  <p:clrMapOvr>
+    <a:masterClrMapping/>
+  </p:clrMapOvr>
+  <mc:AlternateContent xmlns:mc="http://schemas.openxmlformats.org/markup-compatibility/2006" xmlns:p14="http://schemas.microsoft.com/office/powerpoint/2010/main">
+    <mc:Choice Requires="p14">
+      <p:transition spd="slow" p14:dur="1200">
+        <p:dissolve/>
+      </p:transition>
+    </mc:Choice>
+    <mc:Fallback xmlns="">
+      <p:transition spd="slow">
+        <p:dissolve/>
+      </p:transition>
+    </mc:Fallback>
+  </mc:AlternateContent>
+  <p:timing>
+    <p:tnLst>
+      <p:par>
+        <p:cTn id="1" dur="indefinite" restart="never" nodeType="tmRoot"/>
+      </p:par>
+    </p:tnLst>
+  </p:timing>
+</p:sld>
+</file>
+
+<file path=ppt/slides/slide4.xml><?xml version="1.0" encoding="utf-8"?>
+<p:sld xmlns:a="http://schemas.openxmlformats.org/drawingml/2006/main" xmlns:r="http://schemas.openxmlformats.org/officeDocument/2006/relationships" xmlns:p="http://schemas.openxmlformats.org/presentationml/2006/main">
+  <p:cSld>
+    <p:spTree>
+      <p:nvGrpSpPr>
+        <p:cNvPr id="1" name=""/>
+        <p:cNvGrpSpPr/>
+        <p:nvPr/>
+      </p:nvGrpSpPr>
+      <p:grpSpPr>
+        <a:xfrm>
+          <a:off x="0" y="0"/>
+          <a:ext cx="0" cy="0"/>
+          <a:chOff x="0" y="0"/>
+          <a:chExt cx="0" cy="0"/>
+        </a:xfrm>
+      </p:grpSpPr>
+      <p:sp>
+        <p:nvSpPr>
+          <p:cNvPr id="3" name="Tijdelijke aanduiding voor inhoud 2"/>
+          <p:cNvSpPr>
+            <a:spLocks noGrp="1"/>
+          </p:cNvSpPr>
+          <p:nvPr>
+            <p:ph idx="1"/>
+          </p:nvPr>
+        </p:nvSpPr>
+        <p:spPr/>
+        <p:txBody>
+          <a:bodyPr/>
+          <a:lstStyle/>
+          <a:p>
+            <a:endParaRPr lang="nl-NL"/>
+          </a:p>
+        </p:txBody>
+      </p:sp>
+    </p:spTree>
+    <p:extLst>
+      <p:ext uri="{BB962C8B-B14F-4D97-AF65-F5344CB8AC3E}">
+        <p14:creationId xmlns:p14="http://schemas.microsoft.com/office/powerpoint/2010/main" val="3966715385"/>
+      </p:ext>
+    </p:extLst>
+  </p:cSld>
+  <p:clrMapOvr>
+    <a:masterClrMapping/>
+  </p:clrMapOvr>
+  <mc:AlternateContent xmlns:mc="http://schemas.openxmlformats.org/markup-compatibility/2006" xmlns:p14="http://schemas.microsoft.com/office/powerpoint/2010/main">
+    <mc:Choice Requires="p14">
+      <p:transition spd="slow" p14:dur="1400">
+        <p14:ripple/>
+      </p:transition>
+    </mc:Choice>
+    <mc:Fallback xmlns="">
+      <p:transition spd="slow">
+        <p:fade/>
+      </p:transition>
+    </mc:Fallback>
+  </mc:AlternateContent>
 </p:sld>
 </file>
 
